--- a/FaceTech Project Presentation.pptx
+++ b/FaceTech Project Presentation.pptx
@@ -10,21 +10,22 @@
     <p:sldId id="263" r:id="rId4"/>
     <p:sldId id="262" r:id="rId5"/>
     <p:sldId id="264" r:id="rId6"/>
-    <p:sldId id="265" r:id="rId7"/>
-    <p:sldId id="266" r:id="rId8"/>
-    <p:sldId id="267" r:id="rId9"/>
-    <p:sldId id="268" r:id="rId10"/>
-    <p:sldId id="276" r:id="rId11"/>
-    <p:sldId id="274" r:id="rId12"/>
-    <p:sldId id="270" r:id="rId13"/>
-    <p:sldId id="278" r:id="rId14"/>
-    <p:sldId id="279" r:id="rId15"/>
-    <p:sldId id="280" r:id="rId16"/>
-    <p:sldId id="281" r:id="rId17"/>
-    <p:sldId id="282" r:id="rId18"/>
-    <p:sldId id="271" r:id="rId19"/>
-    <p:sldId id="273" r:id="rId20"/>
-    <p:sldId id="272" r:id="rId21"/>
+    <p:sldId id="283" r:id="rId7"/>
+    <p:sldId id="265" r:id="rId8"/>
+    <p:sldId id="266" r:id="rId9"/>
+    <p:sldId id="267" r:id="rId10"/>
+    <p:sldId id="268" r:id="rId11"/>
+    <p:sldId id="276" r:id="rId12"/>
+    <p:sldId id="274" r:id="rId13"/>
+    <p:sldId id="270" r:id="rId14"/>
+    <p:sldId id="278" r:id="rId15"/>
+    <p:sldId id="279" r:id="rId16"/>
+    <p:sldId id="280" r:id="rId17"/>
+    <p:sldId id="281" r:id="rId18"/>
+    <p:sldId id="282" r:id="rId19"/>
+    <p:sldId id="271" r:id="rId20"/>
+    <p:sldId id="273" r:id="rId21"/>
+    <p:sldId id="272" r:id="rId22"/>
   </p:sldIdLst>
   <p:sldSz cx="12192000" cy="6858000"/>
   <p:notesSz cx="6858000" cy="9144000"/>
@@ -3857,7 +3858,7 @@
           <a:p>
             <a:fld id="{24EB9E9B-1AAA-4305-9E96-A6C4A2CC285C}" type="datetimeFigureOut">
               <a:rPr lang="en-IN" smtClean="0"/>
-              <a:t>23-06-2025</a:t>
+              <a:t>27-06-2025</a:t>
             </a:fld>
             <a:endParaRPr lang="en-IN"/>
           </a:p>
@@ -4057,7 +4058,7 @@
           <a:p>
             <a:fld id="{24EB9E9B-1AAA-4305-9E96-A6C4A2CC285C}" type="datetimeFigureOut">
               <a:rPr lang="en-IN" smtClean="0"/>
-              <a:t>23-06-2025</a:t>
+              <a:t>27-06-2025</a:t>
             </a:fld>
             <a:endParaRPr lang="en-IN"/>
           </a:p>
@@ -4267,7 +4268,7 @@
           <a:p>
             <a:fld id="{24EB9E9B-1AAA-4305-9E96-A6C4A2CC285C}" type="datetimeFigureOut">
               <a:rPr lang="en-IN" smtClean="0"/>
-              <a:t>23-06-2025</a:t>
+              <a:t>27-06-2025</a:t>
             </a:fld>
             <a:endParaRPr lang="en-IN"/>
           </a:p>
@@ -4467,7 +4468,7 @@
           <a:p>
             <a:fld id="{24EB9E9B-1AAA-4305-9E96-A6C4A2CC285C}" type="datetimeFigureOut">
               <a:rPr lang="en-IN" smtClean="0"/>
-              <a:t>23-06-2025</a:t>
+              <a:t>27-06-2025</a:t>
             </a:fld>
             <a:endParaRPr lang="en-IN"/>
           </a:p>
@@ -4743,7 +4744,7 @@
           <a:p>
             <a:fld id="{24EB9E9B-1AAA-4305-9E96-A6C4A2CC285C}" type="datetimeFigureOut">
               <a:rPr lang="en-IN" smtClean="0"/>
-              <a:t>23-06-2025</a:t>
+              <a:t>27-06-2025</a:t>
             </a:fld>
             <a:endParaRPr lang="en-IN"/>
           </a:p>
@@ -5011,7 +5012,7 @@
           <a:p>
             <a:fld id="{24EB9E9B-1AAA-4305-9E96-A6C4A2CC285C}" type="datetimeFigureOut">
               <a:rPr lang="en-IN" smtClean="0"/>
-              <a:t>23-06-2025</a:t>
+              <a:t>27-06-2025</a:t>
             </a:fld>
             <a:endParaRPr lang="en-IN"/>
           </a:p>
@@ -5426,7 +5427,7 @@
           <a:p>
             <a:fld id="{24EB9E9B-1AAA-4305-9E96-A6C4A2CC285C}" type="datetimeFigureOut">
               <a:rPr lang="en-IN" smtClean="0"/>
-              <a:t>23-06-2025</a:t>
+              <a:t>27-06-2025</a:t>
             </a:fld>
             <a:endParaRPr lang="en-IN"/>
           </a:p>
@@ -5568,7 +5569,7 @@
           <a:p>
             <a:fld id="{24EB9E9B-1AAA-4305-9E96-A6C4A2CC285C}" type="datetimeFigureOut">
               <a:rPr lang="en-IN" smtClean="0"/>
-              <a:t>23-06-2025</a:t>
+              <a:t>27-06-2025</a:t>
             </a:fld>
             <a:endParaRPr lang="en-IN"/>
           </a:p>
@@ -5681,7 +5682,7 @@
           <a:p>
             <a:fld id="{24EB9E9B-1AAA-4305-9E96-A6C4A2CC285C}" type="datetimeFigureOut">
               <a:rPr lang="en-IN" smtClean="0"/>
-              <a:t>23-06-2025</a:t>
+              <a:t>27-06-2025</a:t>
             </a:fld>
             <a:endParaRPr lang="en-IN"/>
           </a:p>
@@ -5994,7 +5995,7 @@
           <a:p>
             <a:fld id="{24EB9E9B-1AAA-4305-9E96-A6C4A2CC285C}" type="datetimeFigureOut">
               <a:rPr lang="en-IN" smtClean="0"/>
-              <a:t>23-06-2025</a:t>
+              <a:t>27-06-2025</a:t>
             </a:fld>
             <a:endParaRPr lang="en-IN"/>
           </a:p>
@@ -6283,7 +6284,7 @@
           <a:p>
             <a:fld id="{24EB9E9B-1AAA-4305-9E96-A6C4A2CC285C}" type="datetimeFigureOut">
               <a:rPr lang="en-IN" smtClean="0"/>
-              <a:t>23-06-2025</a:t>
+              <a:t>27-06-2025</a:t>
             </a:fld>
             <a:endParaRPr lang="en-IN"/>
           </a:p>
@@ -6536,7 +6537,7 @@
           <a:p>
             <a:fld id="{24EB9E9B-1AAA-4305-9E96-A6C4A2CC285C}" type="datetimeFigureOut">
               <a:rPr lang="en-IN" smtClean="0"/>
-              <a:t>23-06-2025</a:t>
+              <a:t>27-06-2025</a:t>
             </a:fld>
             <a:endParaRPr lang="en-IN"/>
           </a:p>
@@ -7243,6 +7244,102 @@
   <p:cSld>
     <p:spTree>
       <p:nvGrpSpPr>
+        <p:cNvPr id="1" name=""/>
+        <p:cNvGrpSpPr/>
+        <p:nvPr/>
+      </p:nvGrpSpPr>
+      <p:grpSpPr>
+        <a:xfrm>
+          <a:off x="0" y="0"/>
+          <a:ext cx="0" cy="0"/>
+          <a:chOff x="0" y="0"/>
+          <a:chExt cx="0" cy="0"/>
+        </a:xfrm>
+      </p:grpSpPr>
+      <p:sp>
+        <p:nvSpPr>
+          <p:cNvPr id="2" name="Title 1">
+            <a:extLst>
+              <a:ext uri="{FF2B5EF4-FFF2-40B4-BE49-F238E27FC236}">
+                <a16:creationId xmlns:a16="http://schemas.microsoft.com/office/drawing/2014/main" id="{A033F3C7-D2D1-D393-DF4A-428307FCF884}"/>
+              </a:ext>
+            </a:extLst>
+          </p:cNvPr>
+          <p:cNvSpPr>
+            <a:spLocks noGrp="1"/>
+          </p:cNvSpPr>
+          <p:nvPr>
+            <p:ph type="title"/>
+          </p:nvPr>
+        </p:nvSpPr>
+        <p:spPr>
+          <a:xfrm>
+            <a:off x="1676400" y="393117"/>
+            <a:ext cx="10515600" cy="1325563"/>
+          </a:xfrm>
+        </p:spPr>
+        <p:txBody>
+          <a:bodyPr>
+            <a:normAutofit/>
+          </a:bodyPr>
+          <a:lstStyle/>
+          <a:p>
+            <a:pPr algn="ctr"/>
+            <a:r>
+              <a:rPr lang="en-IN" b="1" dirty="0">
+                <a:solidFill>
+                  <a:srgbClr val="C00000"/>
+                </a:solidFill>
+              </a:rPr>
+              <a:t>Face Detection Pipeline		                            </a:t>
+            </a:r>
+          </a:p>
+        </p:txBody>
+      </p:sp>
+      <p:graphicFrame>
+        <p:nvGraphicFramePr>
+          <p:cNvPr id="4" name="Content Placeholder 3">
+            <a:extLst>
+              <a:ext uri="{FF2B5EF4-FFF2-40B4-BE49-F238E27FC236}">
+                <a16:creationId xmlns:a16="http://schemas.microsoft.com/office/drawing/2014/main" id="{C3095554-F5F9-6FC8-43EC-C5318ACE9823}"/>
+              </a:ext>
+            </a:extLst>
+          </p:cNvPr>
+          <p:cNvGraphicFramePr>
+            <a:graphicFrameLocks noGrp="1"/>
+          </p:cNvGraphicFramePr>
+          <p:nvPr>
+            <p:ph idx="1"/>
+          </p:nvPr>
+        </p:nvGraphicFramePr>
+        <p:xfrm>
+          <a:off x="838200" y="1825625"/>
+          <a:ext cx="10515600" cy="4351338"/>
+        </p:xfrm>
+        <a:graphic>
+          <a:graphicData uri="http://schemas.openxmlformats.org/drawingml/2006/diagram">
+            <dgm:relIds xmlns:dgm="http://schemas.openxmlformats.org/drawingml/2006/diagram" xmlns:r="http://schemas.openxmlformats.org/officeDocument/2006/relationships" r:dm="rId2" r:lo="rId3" r:qs="rId4" r:cs="rId5"/>
+          </a:graphicData>
+        </a:graphic>
+      </p:graphicFrame>
+    </p:spTree>
+    <p:extLst>
+      <p:ext uri="{BB962C8B-B14F-4D97-AF65-F5344CB8AC3E}">
+        <p14:creationId xmlns:p14="http://schemas.microsoft.com/office/powerpoint/2010/main" val="98712973"/>
+      </p:ext>
+    </p:extLst>
+  </p:cSld>
+  <p:clrMapOvr>
+    <a:masterClrMapping/>
+  </p:clrMapOvr>
+</p:sld>
+</file>
+
+<file path=ppt/slides/slide11.xml><?xml version="1.0" encoding="utf-8"?>
+<p:sld xmlns:a="http://schemas.openxmlformats.org/drawingml/2006/main" xmlns:r="http://schemas.openxmlformats.org/officeDocument/2006/relationships" xmlns:p="http://schemas.openxmlformats.org/presentationml/2006/main">
+  <p:cSld>
+    <p:spTree>
+      <p:nvGrpSpPr>
         <p:cNvPr id="1" name="">
           <a:extLst>
             <a:ext uri="{FF2B5EF4-FFF2-40B4-BE49-F238E27FC236}">
@@ -7352,7 +7449,7 @@
 </p:sld>
 </file>
 
-<file path=ppt/slides/slide11.xml><?xml version="1.0" encoding="utf-8"?>
+<file path=ppt/slides/slide12.xml><?xml version="1.0" encoding="utf-8"?>
 <p:sld xmlns:a="http://schemas.openxmlformats.org/drawingml/2006/main" xmlns:r="http://schemas.openxmlformats.org/officeDocument/2006/relationships" xmlns:p="http://schemas.openxmlformats.org/presentationml/2006/main">
   <p:cSld>
     <p:spTree>
@@ -7466,7 +7563,7 @@
 </p:sld>
 </file>
 
-<file path=ppt/slides/slide12.xml><?xml version="1.0" encoding="utf-8"?>
+<file path=ppt/slides/slide13.xml><?xml version="1.0" encoding="utf-8"?>
 <p:sld xmlns:a="http://schemas.openxmlformats.org/drawingml/2006/main" xmlns:r="http://schemas.openxmlformats.org/officeDocument/2006/relationships" xmlns:p="http://schemas.openxmlformats.org/presentationml/2006/main">
   <p:cSld>
     <p:spTree>
@@ -7734,7 +7831,7 @@
 </p:sld>
 </file>
 
-<file path=ppt/slides/slide13.xml><?xml version="1.0" encoding="utf-8"?>
+<file path=ppt/slides/slide14.xml><?xml version="1.0" encoding="utf-8"?>
 <p:sld xmlns:a="http://schemas.openxmlformats.org/drawingml/2006/main" xmlns:r="http://schemas.openxmlformats.org/officeDocument/2006/relationships" xmlns:p="http://schemas.openxmlformats.org/presentationml/2006/main">
   <p:cSld>
     <p:spTree>
@@ -7886,7 +7983,7 @@
 </p:sld>
 </file>
 
-<file path=ppt/slides/slide14.xml><?xml version="1.0" encoding="utf-8"?>
+<file path=ppt/slides/slide15.xml><?xml version="1.0" encoding="utf-8"?>
 <p:sld xmlns:a="http://schemas.openxmlformats.org/drawingml/2006/main" xmlns:r="http://schemas.openxmlformats.org/officeDocument/2006/relationships" xmlns:p="http://schemas.openxmlformats.org/presentationml/2006/main">
   <p:cSld>
     <p:spTree>
@@ -8029,7 +8126,7 @@
 </p:sld>
 </file>
 
-<file path=ppt/slides/slide15.xml><?xml version="1.0" encoding="utf-8"?>
+<file path=ppt/slides/slide16.xml><?xml version="1.0" encoding="utf-8"?>
 <p:sld xmlns:a="http://schemas.openxmlformats.org/drawingml/2006/main" xmlns:r="http://schemas.openxmlformats.org/officeDocument/2006/relationships" xmlns:p="http://schemas.openxmlformats.org/presentationml/2006/main">
   <p:cSld>
     <p:spTree>
@@ -8208,7 +8305,7 @@
 </p:sld>
 </file>
 
-<file path=ppt/slides/slide16.xml><?xml version="1.0" encoding="utf-8"?>
+<file path=ppt/slides/slide17.xml><?xml version="1.0" encoding="utf-8"?>
 <p:sld xmlns:a="http://schemas.openxmlformats.org/drawingml/2006/main" xmlns:r="http://schemas.openxmlformats.org/officeDocument/2006/relationships" xmlns:p="http://schemas.openxmlformats.org/presentationml/2006/main">
   <p:cSld>
     <p:spTree>
@@ -8345,7 +8442,7 @@
 </p:sld>
 </file>
 
-<file path=ppt/slides/slide17.xml><?xml version="1.0" encoding="utf-8"?>
+<file path=ppt/slides/slide18.xml><?xml version="1.0" encoding="utf-8"?>
 <p:sld xmlns:a="http://schemas.openxmlformats.org/drawingml/2006/main" xmlns:r="http://schemas.openxmlformats.org/officeDocument/2006/relationships" xmlns:p="http://schemas.openxmlformats.org/presentationml/2006/main">
   <p:cSld>
     <p:spTree>
@@ -8482,147 +8579,6 @@
 </p:sld>
 </file>
 
-<file path=ppt/slides/slide18.xml><?xml version="1.0" encoding="utf-8"?>
-<p:sld xmlns:a="http://schemas.openxmlformats.org/drawingml/2006/main" xmlns:r="http://schemas.openxmlformats.org/officeDocument/2006/relationships" xmlns:p="http://schemas.openxmlformats.org/presentationml/2006/main">
-  <p:cSld>
-    <p:spTree>
-      <p:nvGrpSpPr>
-        <p:cNvPr id="1" name=""/>
-        <p:cNvGrpSpPr/>
-        <p:nvPr/>
-      </p:nvGrpSpPr>
-      <p:grpSpPr>
-        <a:xfrm>
-          <a:off x="0" y="0"/>
-          <a:ext cx="0" cy="0"/>
-          <a:chOff x="0" y="0"/>
-          <a:chExt cx="0" cy="0"/>
-        </a:xfrm>
-      </p:grpSpPr>
-      <p:sp>
-        <p:nvSpPr>
-          <p:cNvPr id="2" name="Title 1">
-            <a:extLst>
-              <a:ext uri="{FF2B5EF4-FFF2-40B4-BE49-F238E27FC236}">
-                <a16:creationId xmlns:a16="http://schemas.microsoft.com/office/drawing/2014/main" id="{A033F3C7-D2D1-D393-DF4A-428307FCF884}"/>
-              </a:ext>
-            </a:extLst>
-          </p:cNvPr>
-          <p:cNvSpPr>
-            <a:spLocks noGrp="1"/>
-          </p:cNvSpPr>
-          <p:nvPr>
-            <p:ph type="title"/>
-          </p:nvPr>
-        </p:nvSpPr>
-        <p:spPr/>
-        <p:txBody>
-          <a:bodyPr>
-            <a:normAutofit/>
-          </a:bodyPr>
-          <a:lstStyle/>
-          <a:p>
-            <a:pPr algn="ctr"/>
-            <a:r>
-              <a:rPr lang="en-IN" b="1" dirty="0">
-                <a:solidFill>
-                  <a:srgbClr val="C00000"/>
-                </a:solidFill>
-              </a:rPr>
-              <a:t>Conclusion and Future Scope</a:t>
-            </a:r>
-          </a:p>
-        </p:txBody>
-      </p:sp>
-      <p:sp>
-        <p:nvSpPr>
-          <p:cNvPr id="3" name="Content Placeholder 2">
-            <a:extLst>
-              <a:ext uri="{FF2B5EF4-FFF2-40B4-BE49-F238E27FC236}">
-                <a16:creationId xmlns:a16="http://schemas.microsoft.com/office/drawing/2014/main" id="{3177089A-7BD5-E31C-5157-B2A6761E6B87}"/>
-              </a:ext>
-            </a:extLst>
-          </p:cNvPr>
-          <p:cNvSpPr>
-            <a:spLocks noGrp="1"/>
-          </p:cNvSpPr>
-          <p:nvPr>
-            <p:ph idx="1"/>
-          </p:nvPr>
-        </p:nvSpPr>
-        <p:spPr>
-          <a:xfrm>
-            <a:off x="838200" y="1614196"/>
-            <a:ext cx="10515600" cy="4562767"/>
-          </a:xfrm>
-        </p:spPr>
-        <p:txBody>
-          <a:bodyPr>
-            <a:normAutofit/>
-          </a:bodyPr>
-          <a:lstStyle/>
-          <a:p>
-            <a:r>
-              <a:rPr lang="en-IN" dirty="0"/>
-              <a:t>Conclusion:</a:t>
-            </a:r>
-          </a:p>
-          <a:p>
-            <a:pPr lvl="1"/>
-            <a:r>
-              <a:rPr lang="en-IN" dirty="0"/>
-              <a:t>Successfully implemented a face detection system in video using traditional ML (Haar Cascade).</a:t>
-            </a:r>
-          </a:p>
-          <a:p>
-            <a:pPr lvl="1"/>
-            <a:r>
-              <a:rPr lang="en-IN" dirty="0"/>
-              <a:t>Integrated with a user-friendly web interface.</a:t>
-            </a:r>
-          </a:p>
-          <a:p>
-            <a:r>
-              <a:rPr lang="en-IN" dirty="0"/>
-              <a:t>Future Enhancements:</a:t>
-            </a:r>
-          </a:p>
-          <a:p>
-            <a:pPr lvl="1"/>
-            <a:r>
-              <a:rPr lang="en-IN" dirty="0"/>
-              <a:t>Add real-time webcam feed detection</a:t>
-            </a:r>
-          </a:p>
-          <a:p>
-            <a:pPr lvl="1"/>
-            <a:r>
-              <a:rPr lang="en-IN" dirty="0"/>
-              <a:t>Use advanced models (YOLO, MTCNN, SSD)</a:t>
-            </a:r>
-          </a:p>
-          <a:p>
-            <a:pPr lvl="1"/>
-            <a:r>
-              <a:rPr lang="en-IN" dirty="0"/>
-              <a:t>UI/UX improvement with modern designs</a:t>
-            </a:r>
-          </a:p>
-        </p:txBody>
-      </p:sp>
-    </p:spTree>
-    <p:extLst>
-      <p:ext uri="{BB962C8B-B14F-4D97-AF65-F5344CB8AC3E}">
-        <p14:creationId xmlns:p14="http://schemas.microsoft.com/office/powerpoint/2010/main" val="2621020802"/>
-      </p:ext>
-    </p:extLst>
-  </p:cSld>
-  <p:clrMapOvr>
-    <a:masterClrMapping/>
-  </p:clrMapOvr>
-</p:sld>
-</file>
-
 <file path=ppt/slides/slide19.xml><?xml version="1.0" encoding="utf-8"?>
 <p:sld xmlns:a="http://schemas.openxmlformats.org/drawingml/2006/main" xmlns:r="http://schemas.openxmlformats.org/officeDocument/2006/relationships" xmlns:p="http://schemas.openxmlformats.org/presentationml/2006/main">
   <p:cSld>
@@ -8670,7 +8626,7 @@
                   <a:srgbClr val="C00000"/>
                 </a:solidFill>
               </a:rPr>
-              <a:t>References</a:t>
+              <a:t>Conclusion and Future Scope</a:t>
             </a:r>
           </a:p>
         </p:txBody>
@@ -8691,7 +8647,12 @@
             <p:ph idx="1"/>
           </p:nvPr>
         </p:nvSpPr>
-        <p:spPr/>
+        <p:spPr>
+          <a:xfrm>
+            <a:off x="838200" y="1614196"/>
+            <a:ext cx="10515600" cy="4562767"/>
+          </a:xfrm>
+        </p:spPr>
         <p:txBody>
           <a:bodyPr>
             <a:normAutofit/>
@@ -8700,48 +8661,56 @@
           <a:p>
             <a:r>
               <a:rPr lang="en-IN" dirty="0"/>
-              <a:t>OpenCV Haar Cascades – </a:t>
-            </a:r>
-            <a:r>
-              <a:rPr lang="en-IN" dirty="0">
-                <a:hlinkClick r:id="rId2"/>
-              </a:rPr>
-              <a:t>https://github.com/opencv/opencv</a:t>
-            </a:r>
-            <a:endParaRPr lang="en-IN" dirty="0"/>
-          </a:p>
-          <a:p>
+              <a:t>Conclusion:</a:t>
+            </a:r>
+          </a:p>
+          <a:p>
+            <a:pPr lvl="1"/>
             <a:r>
               <a:rPr lang="en-IN" dirty="0"/>
-              <a:t>Django Documentation – </a:t>
-            </a:r>
-            <a:r>
-              <a:rPr lang="en-IN" dirty="0">
-                <a:hlinkClick r:id="rId3"/>
-              </a:rPr>
-              <a:t>https://docs.djangoproject.com</a:t>
-            </a:r>
-            <a:endParaRPr lang="en-IN" dirty="0"/>
-          </a:p>
-          <a:p>
+              <a:t>Successfully implemented a face detection system in video using traditional ML (Haar Cascade).</a:t>
+            </a:r>
+          </a:p>
+          <a:p>
+            <a:pPr lvl="1"/>
             <a:r>
               <a:rPr lang="en-IN" dirty="0"/>
-              <a:t>React.js – </a:t>
-            </a:r>
-            <a:r>
-              <a:rPr lang="en-IN" dirty="0">
-                <a:hlinkClick r:id="rId4"/>
-              </a:rPr>
-              <a:t>https://reactjs.org</a:t>
-            </a:r>
-            <a:endParaRPr lang="en-IN" dirty="0"/>
+              <a:t>Integrated with a user-friendly web interface.</a:t>
+            </a:r>
+          </a:p>
+          <a:p>
+            <a:r>
+              <a:rPr lang="en-IN" dirty="0"/>
+              <a:t>Future Enhancements:</a:t>
+            </a:r>
+          </a:p>
+          <a:p>
+            <a:pPr lvl="1"/>
+            <a:r>
+              <a:rPr lang="en-IN" dirty="0"/>
+              <a:t>Add real-time webcam feed detection</a:t>
+            </a:r>
+          </a:p>
+          <a:p>
+            <a:pPr lvl="1"/>
+            <a:r>
+              <a:rPr lang="en-IN" dirty="0"/>
+              <a:t>Use advanced models (YOLO, MTCNN, SSD)</a:t>
+            </a:r>
+          </a:p>
+          <a:p>
+            <a:pPr lvl="1"/>
+            <a:r>
+              <a:rPr lang="en-IN" dirty="0"/>
+              <a:t>UI/UX improvement with modern designs</a:t>
+            </a:r>
           </a:p>
         </p:txBody>
       </p:sp>
     </p:spTree>
     <p:extLst>
       <p:ext uri="{BB962C8B-B14F-4D97-AF65-F5344CB8AC3E}">
-        <p14:creationId xmlns:p14="http://schemas.microsoft.com/office/powerpoint/2010/main" val="1143320010"/>
+        <p14:creationId xmlns:p14="http://schemas.microsoft.com/office/powerpoint/2010/main" val="2621020802"/>
       </p:ext>
     </p:extLst>
   </p:cSld>
@@ -8791,7 +8760,7 @@
           <a:p>
             <a:r>
               <a:rPr lang="en-IN" dirty="0"/>
-              <a:t>Contents:</a:t>
+              <a:t>Contents</a:t>
             </a:r>
           </a:p>
         </p:txBody>
@@ -8815,7 +8784,7 @@
         <p:spPr/>
         <p:txBody>
           <a:bodyPr>
-            <a:normAutofit fontScale="92500" lnSpcReduction="20000"/>
+            <a:normAutofit fontScale="85000" lnSpcReduction="20000"/>
           </a:bodyPr>
           <a:lstStyle/>
           <a:p>
@@ -8825,7 +8794,62 @@
             </a:pPr>
             <a:r>
               <a:rPr lang="en-IN" sz="2800" dirty="0"/>
+              <a:t>Organization Details </a:t>
+            </a:r>
+          </a:p>
+          <a:p>
+            <a:pPr marL="457200" indent="-457200">
+              <a:buFont typeface="+mj-lt"/>
+              <a:buAutoNum type="arabicPeriod"/>
+            </a:pPr>
+            <a:r>
+              <a:rPr lang="en-IN" dirty="0"/>
               <a:t>The completion certificate from the organization </a:t>
+            </a:r>
+          </a:p>
+          <a:p>
+            <a:pPr marL="457200" indent="-457200">
+              <a:buFont typeface="+mj-lt"/>
+              <a:buAutoNum type="arabicPeriod"/>
+            </a:pPr>
+            <a:r>
+              <a:rPr lang="en-IN" sz="2800" dirty="0"/>
+              <a:t>What is Face Detection?</a:t>
+            </a:r>
+          </a:p>
+          <a:p>
+            <a:pPr marL="457200" indent="-457200">
+              <a:buFont typeface="+mj-lt"/>
+              <a:buAutoNum type="arabicPeriod"/>
+            </a:pPr>
+            <a:r>
+              <a:rPr lang="en-IN" sz="2800" dirty="0"/>
+              <a:t>Problem Formulation and Definition</a:t>
+            </a:r>
+          </a:p>
+          <a:p>
+            <a:pPr marL="457200" indent="-457200">
+              <a:buFont typeface="+mj-lt"/>
+              <a:buAutoNum type="arabicPeriod"/>
+            </a:pPr>
+            <a:r>
+              <a:rPr lang="en-IN" sz="2800" dirty="0"/>
+              <a:t>Motivation </a:t>
+            </a:r>
+            <a:endParaRPr lang="en-IN" dirty="0">
+              <a:solidFill>
+                <a:srgbClr val="C00000"/>
+              </a:solidFill>
+            </a:endParaRPr>
+          </a:p>
+          <a:p>
+            <a:pPr marL="457200" indent="-457200">
+              <a:buFont typeface="+mj-lt"/>
+              <a:buAutoNum type="arabicPeriod"/>
+            </a:pPr>
+            <a:r>
+              <a:rPr lang="en-IN" sz="2800" dirty="0"/>
+              <a:t>Contribution </a:t>
             </a:r>
             <a:endParaRPr lang="en-IN" sz="2800" dirty="0">
               <a:solidFill>
@@ -8840,8 +8864,9 @@
             </a:pPr>
             <a:r>
               <a:rPr lang="en-IN" sz="2800" dirty="0"/>
-              <a:t>Organization Details </a:t>
-            </a:r>
+              <a:t>Methodology</a:t>
+            </a:r>
+            <a:endParaRPr lang="en-IN" dirty="0"/>
           </a:p>
           <a:p>
             <a:pPr marL="457200" indent="-457200">
@@ -8850,17 +8875,7 @@
             </a:pPr>
             <a:r>
               <a:rPr lang="en-IN" sz="2800" dirty="0"/>
-              <a:t>Problem Formulation and Definition</a:t>
-            </a:r>
-          </a:p>
-          <a:p>
-            <a:pPr marL="457200" indent="-457200">
-              <a:buFont typeface="+mj-lt"/>
-              <a:buAutoNum type="arabicPeriod"/>
-            </a:pPr>
-            <a:r>
-              <a:rPr lang="en-IN" sz="2800" dirty="0"/>
-              <a:t>Motivation </a:t>
+              <a:t>Workflow </a:t>
             </a:r>
             <a:endParaRPr lang="en-IN" dirty="0">
               <a:solidFill>
@@ -8875,13 +8890,8 @@
             </a:pPr>
             <a:r>
               <a:rPr lang="en-IN" sz="2800" dirty="0"/>
-              <a:t>Contribution </a:t>
-            </a:r>
-            <a:endParaRPr lang="en-IN" sz="2800" dirty="0">
-              <a:solidFill>
-                <a:srgbClr val="C00000"/>
-              </a:solidFill>
-            </a:endParaRPr>
+              <a:t>Results and Discussion </a:t>
+            </a:r>
           </a:p>
           <a:p>
             <a:pPr marL="457200" indent="-457200">
@@ -8890,13 +8900,8 @@
             </a:pPr>
             <a:r>
               <a:rPr lang="en-IN" sz="2800" dirty="0"/>
-              <a:t>Methodology/ Proposed Algorithm </a:t>
-            </a:r>
-            <a:endParaRPr lang="en-IN" dirty="0">
-              <a:solidFill>
-                <a:srgbClr val="C00000"/>
-              </a:solidFill>
-            </a:endParaRPr>
+              <a:t>Conclusion and Future Scope</a:t>
+            </a:r>
           </a:p>
           <a:p>
             <a:pPr marL="457200" indent="-457200">
@@ -8905,42 +8910,7 @@
             </a:pPr>
             <a:r>
               <a:rPr lang="en-IN" sz="2800" dirty="0"/>
-              <a:t>Design/ Architecture/ Workflow </a:t>
-            </a:r>
-            <a:endParaRPr lang="en-IN" dirty="0">
-              <a:solidFill>
-                <a:srgbClr val="C00000"/>
-              </a:solidFill>
-            </a:endParaRPr>
-          </a:p>
-          <a:p>
-            <a:pPr marL="457200" indent="-457200">
-              <a:buFont typeface="+mj-lt"/>
-              <a:buAutoNum type="arabicPeriod"/>
-            </a:pPr>
-            <a:r>
-              <a:rPr lang="en-IN" sz="2800" dirty="0"/>
-              <a:t>Testing &amp; Implementation/Results and Discussion </a:t>
-            </a:r>
-          </a:p>
-          <a:p>
-            <a:pPr marL="457200" indent="-457200">
-              <a:buFont typeface="+mj-lt"/>
-              <a:buAutoNum type="arabicPeriod"/>
-            </a:pPr>
-            <a:r>
-              <a:rPr lang="en-IN" sz="2800" dirty="0"/>
-              <a:t>Conclusion and Future Scope</a:t>
-            </a:r>
-          </a:p>
-          <a:p>
-            <a:pPr marL="457200" indent="-457200">
-              <a:buFont typeface="+mj-lt"/>
-              <a:buAutoNum type="arabicPeriod"/>
-            </a:pPr>
-            <a:r>
-              <a:rPr lang="en-IN" sz="2800" dirty="0"/>
-              <a:t>References/ Bibliography </a:t>
+              <a:t>References</a:t>
             </a:r>
             <a:endParaRPr lang="en-IN" sz="2800" dirty="0">
               <a:solidFill>
@@ -8967,6 +8937,134 @@
 </file>
 
 <file path=ppt/slides/slide20.xml><?xml version="1.0" encoding="utf-8"?>
+<p:sld xmlns:a="http://schemas.openxmlformats.org/drawingml/2006/main" xmlns:r="http://schemas.openxmlformats.org/officeDocument/2006/relationships" xmlns:p="http://schemas.openxmlformats.org/presentationml/2006/main">
+  <p:cSld>
+    <p:spTree>
+      <p:nvGrpSpPr>
+        <p:cNvPr id="1" name=""/>
+        <p:cNvGrpSpPr/>
+        <p:nvPr/>
+      </p:nvGrpSpPr>
+      <p:grpSpPr>
+        <a:xfrm>
+          <a:off x="0" y="0"/>
+          <a:ext cx="0" cy="0"/>
+          <a:chOff x="0" y="0"/>
+          <a:chExt cx="0" cy="0"/>
+        </a:xfrm>
+      </p:grpSpPr>
+      <p:sp>
+        <p:nvSpPr>
+          <p:cNvPr id="2" name="Title 1">
+            <a:extLst>
+              <a:ext uri="{FF2B5EF4-FFF2-40B4-BE49-F238E27FC236}">
+                <a16:creationId xmlns:a16="http://schemas.microsoft.com/office/drawing/2014/main" id="{A033F3C7-D2D1-D393-DF4A-428307FCF884}"/>
+              </a:ext>
+            </a:extLst>
+          </p:cNvPr>
+          <p:cNvSpPr>
+            <a:spLocks noGrp="1"/>
+          </p:cNvSpPr>
+          <p:nvPr>
+            <p:ph type="title"/>
+          </p:nvPr>
+        </p:nvSpPr>
+        <p:spPr/>
+        <p:txBody>
+          <a:bodyPr>
+            <a:normAutofit/>
+          </a:bodyPr>
+          <a:lstStyle/>
+          <a:p>
+            <a:pPr algn="ctr"/>
+            <a:r>
+              <a:rPr lang="en-IN" b="1" dirty="0">
+                <a:solidFill>
+                  <a:srgbClr val="C00000"/>
+                </a:solidFill>
+              </a:rPr>
+              <a:t>References</a:t>
+            </a:r>
+          </a:p>
+        </p:txBody>
+      </p:sp>
+      <p:sp>
+        <p:nvSpPr>
+          <p:cNvPr id="3" name="Content Placeholder 2">
+            <a:extLst>
+              <a:ext uri="{FF2B5EF4-FFF2-40B4-BE49-F238E27FC236}">
+                <a16:creationId xmlns:a16="http://schemas.microsoft.com/office/drawing/2014/main" id="{3177089A-7BD5-E31C-5157-B2A6761E6B87}"/>
+              </a:ext>
+            </a:extLst>
+          </p:cNvPr>
+          <p:cNvSpPr>
+            <a:spLocks noGrp="1"/>
+          </p:cNvSpPr>
+          <p:nvPr>
+            <p:ph idx="1"/>
+          </p:nvPr>
+        </p:nvSpPr>
+        <p:spPr/>
+        <p:txBody>
+          <a:bodyPr>
+            <a:normAutofit/>
+          </a:bodyPr>
+          <a:lstStyle/>
+          <a:p>
+            <a:r>
+              <a:rPr lang="en-IN" dirty="0"/>
+              <a:t>OpenCV Haar Cascades – </a:t>
+            </a:r>
+            <a:r>
+              <a:rPr lang="en-IN" dirty="0">
+                <a:hlinkClick r:id="rId2"/>
+              </a:rPr>
+              <a:t>https://github.com/opencv/opencv</a:t>
+            </a:r>
+            <a:endParaRPr lang="en-IN" dirty="0"/>
+          </a:p>
+          <a:p>
+            <a:r>
+              <a:rPr lang="en-IN" dirty="0"/>
+              <a:t>Django Documentation – </a:t>
+            </a:r>
+            <a:r>
+              <a:rPr lang="en-IN" dirty="0">
+                <a:hlinkClick r:id="rId3"/>
+              </a:rPr>
+              <a:t>https://docs.djangoproject.com</a:t>
+            </a:r>
+            <a:endParaRPr lang="en-IN" dirty="0"/>
+          </a:p>
+          <a:p>
+            <a:r>
+              <a:rPr lang="en-IN" dirty="0"/>
+              <a:t>React.js – </a:t>
+            </a:r>
+            <a:r>
+              <a:rPr lang="en-IN" dirty="0">
+                <a:hlinkClick r:id="rId4"/>
+              </a:rPr>
+              <a:t>https://reactjs.org</a:t>
+            </a:r>
+            <a:endParaRPr lang="en-IN" dirty="0"/>
+          </a:p>
+        </p:txBody>
+      </p:sp>
+    </p:spTree>
+    <p:extLst>
+      <p:ext uri="{BB962C8B-B14F-4D97-AF65-F5344CB8AC3E}">
+        <p14:creationId xmlns:p14="http://schemas.microsoft.com/office/powerpoint/2010/main" val="1143320010"/>
+      </p:ext>
+    </p:extLst>
+  </p:cSld>
+  <p:clrMapOvr>
+    <a:masterClrMapping/>
+  </p:clrMapOvr>
+</p:sld>
+</file>
+
+<file path=ppt/slides/slide21.xml><?xml version="1.0" encoding="utf-8"?>
 <p:sld xmlns:a="http://schemas.openxmlformats.org/drawingml/2006/main" xmlns:r="http://schemas.openxmlformats.org/officeDocument/2006/relationships" xmlns:p="http://schemas.openxmlformats.org/presentationml/2006/main">
   <p:cSld>
     <p:spTree>
@@ -9400,7 +9498,7 @@
                   <a:srgbClr val="C00000"/>
                 </a:solidFill>
               </a:rPr>
-              <a:t>Problem Formulation and Definition</a:t>
+              <a:t>What is Face Detection?</a:t>
             </a:r>
           </a:p>
         </p:txBody>
@@ -9421,50 +9519,62 @@
             <p:ph idx="1"/>
           </p:nvPr>
         </p:nvSpPr>
-        <p:spPr/>
+        <p:spPr>
+          <a:xfrm>
+            <a:off x="838200" y="1825625"/>
+            <a:ext cx="5786535" cy="4351338"/>
+          </a:xfrm>
+        </p:spPr>
         <p:txBody>
           <a:bodyPr/>
           <a:lstStyle/>
           <a:p>
-            <a:r>
-              <a:rPr lang="en-IN" dirty="0"/>
-              <a:t>Face Detection is a key step in computer vision for identifying human faces in digital content.</a:t>
-            </a:r>
-          </a:p>
-          <a:p>
-            <a:r>
-              <a:rPr lang="en-IN" dirty="0"/>
-              <a:t>Real – time and offline face detection has wide applications in surveillance, tagging and Interaction.</a:t>
-            </a:r>
-          </a:p>
-          <a:p>
-            <a:r>
-              <a:rPr lang="en-IN" dirty="0"/>
-              <a:t>Challenges Include:</a:t>
-            </a:r>
-          </a:p>
-          <a:p>
-            <a:pPr lvl="1"/>
-            <a:r>
-              <a:rPr lang="en-IN" dirty="0"/>
-              <a:t>Variations in lighting, occlusions, facial expressions and movement.</a:t>
-            </a:r>
-          </a:p>
-          <a:p>
-            <a:pPr lvl="1"/>
-            <a:r>
-              <a:rPr lang="en-IN" dirty="0"/>
-              <a:t>Efficient video frame processing and reassembly.</a:t>
-            </a:r>
-          </a:p>
-          <a:p>
             <a:pPr marL="0" indent="0">
               <a:buNone/>
             </a:pPr>
-            <a:endParaRPr lang="en-IN" dirty="0"/>
+            <a:r>
+              <a:rPr lang="en-IN" dirty="0"/>
+              <a:t>Face Detection is a computer vision technology that automatically identifies and locates human faces in digital images or video frames. It is the first step in many facial analysis applications such as face recognition, emotion detection, and biometric authentication.</a:t>
+            </a:r>
           </a:p>
         </p:txBody>
       </p:sp>
+      <p:pic>
+        <p:nvPicPr>
+          <p:cNvPr id="5" name="Picture 4">
+            <a:extLst>
+              <a:ext uri="{FF2B5EF4-FFF2-40B4-BE49-F238E27FC236}">
+                <a16:creationId xmlns:a16="http://schemas.microsoft.com/office/drawing/2014/main" id="{2589A17D-9A92-2D39-D350-535258810803}"/>
+              </a:ext>
+            </a:extLst>
+          </p:cNvPr>
+          <p:cNvPicPr>
+            <a:picLocks noChangeAspect="1"/>
+          </p:cNvPicPr>
+          <p:nvPr/>
+        </p:nvPicPr>
+        <p:blipFill>
+          <a:blip r:embed="rId2">
+            <a:extLst>
+              <a:ext uri="{28A0092B-C50C-407E-A947-70E740481C1C}">
+                <a14:useLocalDpi xmlns:a14="http://schemas.microsoft.com/office/drawing/2010/main" val="0"/>
+              </a:ext>
+            </a:extLst>
+          </a:blip>
+          <a:stretch>
+            <a:fillRect/>
+          </a:stretch>
+        </p:blipFill>
+        <p:spPr>
+          <a:xfrm>
+            <a:off x="6892985" y="1511559"/>
+            <a:ext cx="4481841" cy="4282751"/>
+          </a:xfrm>
+          <a:prstGeom prst="rect">
+            <a:avLst/>
+          </a:prstGeom>
+        </p:spPr>
+      </p:pic>
     </p:spTree>
     <p:extLst>
       <p:ext uri="{BB962C8B-B14F-4D97-AF65-F5344CB8AC3E}">
@@ -9483,7 +9593,13 @@
   <p:cSld>
     <p:spTree>
       <p:nvGrpSpPr>
-        <p:cNvPr id="1" name=""/>
+        <p:cNvPr id="1" name="">
+          <a:extLst>
+            <a:ext uri="{FF2B5EF4-FFF2-40B4-BE49-F238E27FC236}">
+              <a16:creationId xmlns:a16="http://schemas.microsoft.com/office/drawing/2014/main" id="{04852300-00B2-072D-FB48-853B28593D3C}"/>
+            </a:ext>
+          </a:extLst>
+        </p:cNvPr>
         <p:cNvGrpSpPr/>
         <p:nvPr/>
       </p:nvGrpSpPr>
@@ -9500,7 +9616,7 @@
           <p:cNvPr id="2" name="Title 1">
             <a:extLst>
               <a:ext uri="{FF2B5EF4-FFF2-40B4-BE49-F238E27FC236}">
-                <a16:creationId xmlns:a16="http://schemas.microsoft.com/office/drawing/2014/main" id="{A033F3C7-D2D1-D393-DF4A-428307FCF884}"/>
+                <a16:creationId xmlns:a16="http://schemas.microsoft.com/office/drawing/2014/main" id="{1B0BBFB1-FDB7-CDDA-6F21-B272EBD4ED5B}"/>
               </a:ext>
             </a:extLst>
           </p:cNvPr>
@@ -9525,7 +9641,7 @@
                   <a:srgbClr val="C00000"/>
                 </a:solidFill>
               </a:rPr>
-              <a:t>Motivation</a:t>
+              <a:t>Problem Formulation and Definition</a:t>
             </a:r>
           </a:p>
         </p:txBody>
@@ -9535,7 +9651,7 @@
           <p:cNvPr id="3" name="Content Placeholder 2">
             <a:extLst>
               <a:ext uri="{FF2B5EF4-FFF2-40B4-BE49-F238E27FC236}">
-                <a16:creationId xmlns:a16="http://schemas.microsoft.com/office/drawing/2014/main" id="{3177089A-7BD5-E31C-5157-B2A6761E6B87}"/>
+                <a16:creationId xmlns:a16="http://schemas.microsoft.com/office/drawing/2014/main" id="{144DED8E-A6D2-E06A-0219-C0C3BF165E91}"/>
               </a:ext>
             </a:extLst>
           </p:cNvPr>
@@ -9553,34 +9669,47 @@
           <a:p>
             <a:r>
               <a:rPr lang="en-IN" dirty="0"/>
-              <a:t>Increased video content across platforms demands automated face analysis.</a:t>
+              <a:t>Face Detection is a key step in computer vision for identifying human faces in digital content.</a:t>
             </a:r>
           </a:p>
           <a:p>
             <a:r>
               <a:rPr lang="en-IN" dirty="0"/>
-              <a:t>Practical use cases include</a:t>
+              <a:t>Real – time and offline face detection has wide applications in surveillance, tagging and Interaction.</a:t>
+            </a:r>
+          </a:p>
+          <a:p>
+            <a:r>
+              <a:rPr lang="en-IN" dirty="0"/>
+              <a:t>Challenges Include:</a:t>
             </a:r>
           </a:p>
           <a:p>
             <a:pPr lvl="1"/>
             <a:r>
               <a:rPr lang="en-IN" dirty="0"/>
-              <a:t>Monitoring, privacy protection, tagging</a:t>
-            </a:r>
-          </a:p>
-          <a:p>
+              <a:t>Variations in lighting, occlusions, facial expressions and movement.</a:t>
+            </a:r>
+          </a:p>
+          <a:p>
+            <a:pPr lvl="1"/>
             <a:r>
               <a:rPr lang="en-IN" dirty="0"/>
-              <a:t>Aim: Develop a web app that accepts videos and returns processed results with detected faces.</a:t>
-            </a:r>
+              <a:t>Efficient video frame processing and reassembly.</a:t>
+            </a:r>
+          </a:p>
+          <a:p>
+            <a:pPr marL="0" indent="0">
+              <a:buNone/>
+            </a:pPr>
+            <a:endParaRPr lang="en-IN" dirty="0"/>
           </a:p>
         </p:txBody>
       </p:sp>
     </p:spTree>
     <p:extLst>
       <p:ext uri="{BB962C8B-B14F-4D97-AF65-F5344CB8AC3E}">
-        <p14:creationId xmlns:p14="http://schemas.microsoft.com/office/powerpoint/2010/main" val="2356643532"/>
+        <p14:creationId xmlns:p14="http://schemas.microsoft.com/office/powerpoint/2010/main" val="2911265343"/>
       </p:ext>
     </p:extLst>
   </p:cSld>
@@ -9637,7 +9766,7 @@
                   <a:srgbClr val="C00000"/>
                 </a:solidFill>
               </a:rPr>
-              <a:t>Contributions</a:t>
+              <a:t>Motivation</a:t>
             </a:r>
           </a:p>
         </p:txBody>
@@ -9665,32 +9794,26 @@
           <a:p>
             <a:r>
               <a:rPr lang="en-IN" dirty="0"/>
-              <a:t>Developed a modular face detection system using modern web and ML technologies.</a:t>
+              <a:t>Increased video content across platforms demands automated face analysis.</a:t>
             </a:r>
           </a:p>
           <a:p>
             <a:r>
               <a:rPr lang="en-IN" dirty="0"/>
-              <a:t>Frontend in React.js, Backend in Django with OpenCV for frame-wise face detection.</a:t>
-            </a:r>
-          </a:p>
-          <a:p>
+              <a:t>Practical use cases include</a:t>
+            </a:r>
+          </a:p>
+          <a:p>
+            <a:pPr lvl="1"/>
             <a:r>
               <a:rPr lang="en-IN" dirty="0"/>
-              <a:t>Output: Processed video with bounding boxes around detected faces.</a:t>
+              <a:t>Monitoring, privacy protection, tagging</a:t>
             </a:r>
           </a:p>
           <a:p>
             <a:r>
               <a:rPr lang="en-IN" dirty="0"/>
-              <a:t>Includes:</a:t>
-            </a:r>
-          </a:p>
-          <a:p>
-            <a:pPr lvl="1"/>
-            <a:r>
-              <a:rPr lang="en-IN" dirty="0"/>
-              <a:t>Upload UI, Frame – by – Frame Detection and Download Interface</a:t>
+              <a:t>Aim: Develop a web app that accepts videos and returns processed results with detected faces.</a:t>
             </a:r>
           </a:p>
         </p:txBody>
@@ -9698,7 +9821,7 @@
     </p:spTree>
     <p:extLst>
       <p:ext uri="{BB962C8B-B14F-4D97-AF65-F5344CB8AC3E}">
-        <p14:creationId xmlns:p14="http://schemas.microsoft.com/office/powerpoint/2010/main" val="215706899"/>
+        <p14:creationId xmlns:p14="http://schemas.microsoft.com/office/powerpoint/2010/main" val="2356643532"/>
       </p:ext>
     </p:extLst>
   </p:cSld>
@@ -9755,7 +9878,7 @@
                   <a:srgbClr val="C00000"/>
                 </a:solidFill>
               </a:rPr>
-              <a:t>Methodology</a:t>
+              <a:t>Contributions</a:t>
             </a:r>
           </a:p>
         </p:txBody>
@@ -9783,73 +9906,32 @@
           <a:p>
             <a:r>
               <a:rPr lang="en-IN" dirty="0"/>
-              <a:t>Used Haar Cascade Classifier from OpenCV</a:t>
+              <a:t>Developed a modular face detection system using modern web and ML technologies.</a:t>
             </a:r>
           </a:p>
           <a:p>
             <a:r>
               <a:rPr lang="en-IN" dirty="0"/>
-              <a:t>Step – by – step Process:</a:t>
-            </a:r>
-          </a:p>
-          <a:p>
-            <a:pPr marL="971550" lvl="1" indent="-514350">
-              <a:buFont typeface="+mj-lt"/>
-              <a:buAutoNum type="arabicPeriod"/>
-            </a:pPr>
+              <a:t>Frontend in React.js, Backend in Django with OpenCV for frame-wise face detection.</a:t>
+            </a:r>
+          </a:p>
+          <a:p>
             <a:r>
               <a:rPr lang="en-IN" dirty="0"/>
-              <a:t>Upload video from UI (React.js)</a:t>
-            </a:r>
-          </a:p>
-          <a:p>
-            <a:pPr marL="971550" lvl="1" indent="-514350">
-              <a:buFont typeface="+mj-lt"/>
-              <a:buAutoNum type="arabicPeriod"/>
-            </a:pPr>
+              <a:t>Output: Processed video with bounding boxes around detected faces.</a:t>
+            </a:r>
+          </a:p>
+          <a:p>
             <a:r>
               <a:rPr lang="en-IN" dirty="0"/>
-              <a:t>Extract Frames (OpenCV)</a:t>
-            </a:r>
-          </a:p>
-          <a:p>
-            <a:pPr marL="971550" lvl="1" indent="-514350">
-              <a:buFont typeface="+mj-lt"/>
-              <a:buAutoNum type="arabicPeriod"/>
-            </a:pPr>
+              <a:t>Includes:</a:t>
+            </a:r>
+          </a:p>
+          <a:p>
+            <a:pPr lvl="1"/>
             <a:r>
               <a:rPr lang="en-IN" dirty="0"/>
-              <a:t>Apply Haar cascade classifier to detect faces</a:t>
-            </a:r>
-          </a:p>
-          <a:p>
-            <a:pPr marL="971550" lvl="1" indent="-514350">
-              <a:buFont typeface="+mj-lt"/>
-              <a:buAutoNum type="arabicPeriod"/>
-            </a:pPr>
-            <a:r>
-              <a:rPr lang="en-IN" dirty="0"/>
-              <a:t>Draw rectangles on detected faces</a:t>
-            </a:r>
-          </a:p>
-          <a:p>
-            <a:pPr marL="971550" lvl="1" indent="-514350">
-              <a:buFont typeface="+mj-lt"/>
-              <a:buAutoNum type="arabicPeriod"/>
-            </a:pPr>
-            <a:r>
-              <a:rPr lang="en-IN" dirty="0"/>
-              <a:t>Reconstruct video from processed frames</a:t>
-            </a:r>
-          </a:p>
-          <a:p>
-            <a:pPr marL="971550" lvl="1" indent="-514350">
-              <a:buFont typeface="+mj-lt"/>
-              <a:buAutoNum type="arabicPeriod"/>
-            </a:pPr>
-            <a:r>
-              <a:rPr lang="en-IN" dirty="0"/>
-              <a:t>Return Final output to user</a:t>
+              <a:t>Upload UI, Frame – by – Frame Detection and Download Interface</a:t>
             </a:r>
           </a:p>
         </p:txBody>
@@ -9857,7 +9939,7 @@
     </p:spTree>
     <p:extLst>
       <p:ext uri="{BB962C8B-B14F-4D97-AF65-F5344CB8AC3E}">
-        <p14:creationId xmlns:p14="http://schemas.microsoft.com/office/powerpoint/2010/main" val="2596019534"/>
+        <p14:creationId xmlns:p14="http://schemas.microsoft.com/office/powerpoint/2010/main" val="215706899"/>
       </p:ext>
     </p:extLst>
   </p:cSld>
@@ -9900,12 +9982,7 @@
             <p:ph type="title"/>
           </p:nvPr>
         </p:nvSpPr>
-        <p:spPr>
-          <a:xfrm>
-            <a:off x="1676400" y="393117"/>
-            <a:ext cx="10515600" cy="1325563"/>
-          </a:xfrm>
-        </p:spPr>
+        <p:spPr/>
         <p:txBody>
           <a:bodyPr>
             <a:normAutofit/>
@@ -9919,41 +9996,109 @@
                   <a:srgbClr val="C00000"/>
                 </a:solidFill>
               </a:rPr>
-              <a:t>Face Detection Pipeline		                            </a:t>
+              <a:t>Methodology</a:t>
             </a:r>
           </a:p>
         </p:txBody>
       </p:sp>
-      <p:graphicFrame>
-        <p:nvGraphicFramePr>
-          <p:cNvPr id="4" name="Content Placeholder 3">
-            <a:extLst>
-              <a:ext uri="{FF2B5EF4-FFF2-40B4-BE49-F238E27FC236}">
-                <a16:creationId xmlns:a16="http://schemas.microsoft.com/office/drawing/2014/main" id="{C3095554-F5F9-6FC8-43EC-C5318ACE9823}"/>
-              </a:ext>
-            </a:extLst>
-          </p:cNvPr>
-          <p:cNvGraphicFramePr>
-            <a:graphicFrameLocks noGrp="1"/>
-          </p:cNvGraphicFramePr>
+      <p:sp>
+        <p:nvSpPr>
+          <p:cNvPr id="3" name="Content Placeholder 2">
+            <a:extLst>
+              <a:ext uri="{FF2B5EF4-FFF2-40B4-BE49-F238E27FC236}">
+                <a16:creationId xmlns:a16="http://schemas.microsoft.com/office/drawing/2014/main" id="{3177089A-7BD5-E31C-5157-B2A6761E6B87}"/>
+              </a:ext>
+            </a:extLst>
+          </p:cNvPr>
+          <p:cNvSpPr>
+            <a:spLocks noGrp="1"/>
+          </p:cNvSpPr>
           <p:nvPr>
             <p:ph idx="1"/>
           </p:nvPr>
-        </p:nvGraphicFramePr>
-        <p:xfrm>
-          <a:off x="838200" y="1825625"/>
-          <a:ext cx="10515600" cy="4351338"/>
-        </p:xfrm>
-        <a:graphic>
-          <a:graphicData uri="http://schemas.openxmlformats.org/drawingml/2006/diagram">
-            <dgm:relIds xmlns:dgm="http://schemas.openxmlformats.org/drawingml/2006/diagram" xmlns:r="http://schemas.openxmlformats.org/officeDocument/2006/relationships" r:dm="rId2" r:lo="rId3" r:qs="rId4" r:cs="rId5"/>
-          </a:graphicData>
-        </a:graphic>
-      </p:graphicFrame>
+        </p:nvSpPr>
+        <p:spPr/>
+        <p:txBody>
+          <a:bodyPr/>
+          <a:lstStyle/>
+          <a:p>
+            <a:r>
+              <a:rPr lang="en-IN" dirty="0"/>
+              <a:t>Used Haar Cascade Classifier from OpenCV</a:t>
+            </a:r>
+          </a:p>
+          <a:p>
+            <a:r>
+              <a:rPr lang="en-IN" dirty="0"/>
+              <a:t>Step – by – step Process:</a:t>
+            </a:r>
+          </a:p>
+          <a:p>
+            <a:pPr marL="971550" lvl="1" indent="-514350">
+              <a:buFont typeface="+mj-lt"/>
+              <a:buAutoNum type="arabicPeriod"/>
+            </a:pPr>
+            <a:r>
+              <a:rPr lang="en-IN" dirty="0"/>
+              <a:t>Upload video from UI (React.js)</a:t>
+            </a:r>
+          </a:p>
+          <a:p>
+            <a:pPr marL="971550" lvl="1" indent="-514350">
+              <a:buFont typeface="+mj-lt"/>
+              <a:buAutoNum type="arabicPeriod"/>
+            </a:pPr>
+            <a:r>
+              <a:rPr lang="en-IN" dirty="0"/>
+              <a:t>Extract Frames (OpenCV)</a:t>
+            </a:r>
+          </a:p>
+          <a:p>
+            <a:pPr marL="971550" lvl="1" indent="-514350">
+              <a:buFont typeface="+mj-lt"/>
+              <a:buAutoNum type="arabicPeriod"/>
+            </a:pPr>
+            <a:r>
+              <a:rPr lang="en-IN" dirty="0"/>
+              <a:t>Apply Haar cascade classifier to detect faces</a:t>
+            </a:r>
+          </a:p>
+          <a:p>
+            <a:pPr marL="971550" lvl="1" indent="-514350">
+              <a:buFont typeface="+mj-lt"/>
+              <a:buAutoNum type="arabicPeriod"/>
+            </a:pPr>
+            <a:r>
+              <a:rPr lang="en-IN" dirty="0"/>
+              <a:t>Draw rectangles on detected faces</a:t>
+            </a:r>
+          </a:p>
+          <a:p>
+            <a:pPr marL="971550" lvl="1" indent="-514350">
+              <a:buFont typeface="+mj-lt"/>
+              <a:buAutoNum type="arabicPeriod"/>
+            </a:pPr>
+            <a:r>
+              <a:rPr lang="en-IN" dirty="0"/>
+              <a:t>Reconstruct video from processed frames</a:t>
+            </a:r>
+          </a:p>
+          <a:p>
+            <a:pPr marL="971550" lvl="1" indent="-514350">
+              <a:buFont typeface="+mj-lt"/>
+              <a:buAutoNum type="arabicPeriod"/>
+            </a:pPr>
+            <a:r>
+              <a:rPr lang="en-IN" dirty="0"/>
+              <a:t>Return Final output to user</a:t>
+            </a:r>
+          </a:p>
+        </p:txBody>
+      </p:sp>
     </p:spTree>
     <p:extLst>
       <p:ext uri="{BB962C8B-B14F-4D97-AF65-F5344CB8AC3E}">
-        <p14:creationId xmlns:p14="http://schemas.microsoft.com/office/powerpoint/2010/main" val="98712973"/>
+        <p14:creationId xmlns:p14="http://schemas.microsoft.com/office/powerpoint/2010/main" val="2596019534"/>
       </p:ext>
     </p:extLst>
   </p:cSld>
